--- a/HerouxBanner.pptx
+++ b/HerouxBanner.pptx
@@ -3488,7 +3488,7 @@
                   </a:schemeClr>
                 </a:solidFill>
               </a:rPr>
-              <a:t>I especially enjoying exploring the human aspects of creating and using software for scientific discovery</a:t>
+              <a:t>I especially enjoy exploring the human aspects of creating and using scientific software</a:t>
             </a:r>
           </a:p>
           <a:p>
